--- a/Introduction.pptx
+++ b/Introduction.pptx
@@ -897,7 +897,7 @@
             <a:fld id="{3982A964-D301-4195-B78A-3A8A04E26EB4}" type="datetimeFigureOut">
               <a:rPr lang="zh-CN" altLang="en-US" smtClean="0"/>
               <a:pPr/>
-              <a:t>2017/2/10</a:t>
+              <a:t>2017/2/11</a:t>
             </a:fld>
             <a:endParaRPr lang="zh-CN" altLang="en-US"/>
           </a:p>
@@ -8548,7 +8548,7 @@
             <a:fld id="{ABBB4722-7C41-4784-8400-1EFB786D68FC}" type="datetimeFigureOut">
               <a:rPr lang="zh-CN" altLang="en-US" smtClean="0"/>
               <a:pPr/>
-              <a:t>2017/2/10</a:t>
+              <a:t>2017/2/11</a:t>
             </a:fld>
             <a:endParaRPr lang="zh-CN" altLang="en-US"/>
           </a:p>
@@ -8713,7 +8713,7 @@
             <a:fld id="{ABBB4722-7C41-4784-8400-1EFB786D68FC}" type="datetimeFigureOut">
               <a:rPr lang="zh-CN" altLang="en-US" smtClean="0"/>
               <a:pPr/>
-              <a:t>2017/2/10</a:t>
+              <a:t>2017/2/11</a:t>
             </a:fld>
             <a:endParaRPr lang="zh-CN" altLang="en-US"/>
           </a:p>
@@ -8888,7 +8888,7 @@
             <a:fld id="{ABBB4722-7C41-4784-8400-1EFB786D68FC}" type="datetimeFigureOut">
               <a:rPr lang="zh-CN" altLang="en-US" smtClean="0"/>
               <a:pPr/>
-              <a:t>2017/2/10</a:t>
+              <a:t>2017/2/11</a:t>
             </a:fld>
             <a:endParaRPr lang="zh-CN" altLang="en-US"/>
           </a:p>
@@ -9053,7 +9053,7 @@
             <a:fld id="{ABBB4722-7C41-4784-8400-1EFB786D68FC}" type="datetimeFigureOut">
               <a:rPr lang="zh-CN" altLang="en-US" smtClean="0"/>
               <a:pPr/>
-              <a:t>2017/2/10</a:t>
+              <a:t>2017/2/11</a:t>
             </a:fld>
             <a:endParaRPr lang="zh-CN" altLang="en-US"/>
           </a:p>
@@ -9295,7 +9295,7 @@
             <a:fld id="{ABBB4722-7C41-4784-8400-1EFB786D68FC}" type="datetimeFigureOut">
               <a:rPr lang="zh-CN" altLang="en-US" smtClean="0"/>
               <a:pPr/>
-              <a:t>2017/2/10</a:t>
+              <a:t>2017/2/11</a:t>
             </a:fld>
             <a:endParaRPr lang="zh-CN" altLang="en-US"/>
           </a:p>
@@ -9577,7 +9577,7 @@
             <a:fld id="{ABBB4722-7C41-4784-8400-1EFB786D68FC}" type="datetimeFigureOut">
               <a:rPr lang="zh-CN" altLang="en-US" smtClean="0"/>
               <a:pPr/>
-              <a:t>2017/2/10</a:t>
+              <a:t>2017/2/11</a:t>
             </a:fld>
             <a:endParaRPr lang="zh-CN" altLang="en-US"/>
           </a:p>
@@ -9993,7 +9993,7 @@
             <a:fld id="{ABBB4722-7C41-4784-8400-1EFB786D68FC}" type="datetimeFigureOut">
               <a:rPr lang="zh-CN" altLang="en-US" smtClean="0"/>
               <a:pPr/>
-              <a:t>2017/2/10</a:t>
+              <a:t>2017/2/11</a:t>
             </a:fld>
             <a:endParaRPr lang="zh-CN" altLang="en-US"/>
           </a:p>
@@ -10107,7 +10107,7 @@
             <a:fld id="{ABBB4722-7C41-4784-8400-1EFB786D68FC}" type="datetimeFigureOut">
               <a:rPr lang="zh-CN" altLang="en-US" smtClean="0"/>
               <a:pPr/>
-              <a:t>2017/2/10</a:t>
+              <a:t>2017/2/11</a:t>
             </a:fld>
             <a:endParaRPr lang="zh-CN" altLang="en-US"/>
           </a:p>
@@ -10199,7 +10199,7 @@
             <a:fld id="{ABBB4722-7C41-4784-8400-1EFB786D68FC}" type="datetimeFigureOut">
               <a:rPr lang="zh-CN" altLang="en-US" smtClean="0"/>
               <a:pPr/>
-              <a:t>2017/2/10</a:t>
+              <a:t>2017/2/11</a:t>
             </a:fld>
             <a:endParaRPr lang="zh-CN" altLang="en-US"/>
           </a:p>
@@ -10471,7 +10471,7 @@
             <a:fld id="{ABBB4722-7C41-4784-8400-1EFB786D68FC}" type="datetimeFigureOut">
               <a:rPr lang="zh-CN" altLang="en-US" smtClean="0"/>
               <a:pPr/>
-              <a:t>2017/2/10</a:t>
+              <a:t>2017/2/11</a:t>
             </a:fld>
             <a:endParaRPr lang="zh-CN" altLang="en-US"/>
           </a:p>
@@ -10720,7 +10720,7 @@
             <a:fld id="{ABBB4722-7C41-4784-8400-1EFB786D68FC}" type="datetimeFigureOut">
               <a:rPr lang="zh-CN" altLang="en-US" smtClean="0"/>
               <a:pPr/>
-              <a:t>2017/2/10</a:t>
+              <a:t>2017/2/11</a:t>
             </a:fld>
             <a:endParaRPr lang="zh-CN" altLang="en-US"/>
           </a:p>
@@ -10928,7 +10928,7 @@
             <a:fld id="{ABBB4722-7C41-4784-8400-1EFB786D68FC}" type="datetimeFigureOut">
               <a:rPr lang="zh-CN" altLang="en-US" smtClean="0"/>
               <a:pPr/>
-              <a:t>2017/2/10</a:t>
+              <a:t>2017/2/11</a:t>
             </a:fld>
             <a:endParaRPr lang="zh-CN" altLang="en-US"/>
           </a:p>
@@ -11315,36 +11315,13 @@
           <a:lstStyle/>
           <a:p>
             <a:r>
+              <a:rPr lang="en-US" altLang="zh-CN" dirty="0"/>
+              <a:t>IFE</a:t>
+            </a:r>
+            <a:r>
               <a:rPr lang="zh-CN" altLang="en-US" dirty="0"/>
-              <a:t>春秋</a:t>
-            </a:r>
-            <a:r>
-              <a:rPr lang="en-US" altLang="zh-CN" dirty="0"/>
-              <a:t>IFE</a:t>
-            </a:r>
-            <a:r>
-              <a:rPr lang="zh-CN" altLang="en-US" dirty="0"/>
-              <a:t>系统</a:t>
-            </a:r>
-          </a:p>
-        </p:txBody>
-      </p:sp>
-      <p:sp>
-        <p:nvSpPr>
-          <p:cNvPr id="3" name="副标题 2"/>
-          <p:cNvSpPr>
-            <a:spLocks noGrp="1"/>
-          </p:cNvSpPr>
-          <p:nvPr>
-            <p:ph type="subTitle" idx="1"/>
-          </p:nvPr>
-        </p:nvSpPr>
-        <p:spPr/>
-        <p:txBody>
-          <a:bodyPr/>
-          <a:lstStyle/>
-          <a:p>
-            <a:endParaRPr lang="zh-CN" altLang="en-US" dirty="0"/>
+              <a:t>系统设计</a:t>
+            </a:r>
           </a:p>
         </p:txBody>
       </p:sp>
@@ -15129,7 +15106,7 @@
       </p:sp>
       <p:pic>
         <p:nvPicPr>
-          <p:cNvPr id="8" name="内容占位符 7"/>
+          <p:cNvPr id="5" name="内容占位符 4"/>
           <p:cNvPicPr>
             <a:picLocks noGrp="1" noChangeAspect="1"/>
           </p:cNvPicPr>
@@ -15151,8 +15128,8 @@
         </p:blipFill>
         <p:spPr>
           <a:xfrm>
-            <a:off x="1038498" y="1600200"/>
-            <a:ext cx="7067004" cy="4525963"/>
+            <a:off x="457200" y="2044541"/>
+            <a:ext cx="8229600" cy="3637280"/>
           </a:xfrm>
         </p:spPr>
       </p:pic>
@@ -17683,10 +17660,48 @@
           <a:bodyPr/>
           <a:lstStyle/>
           <a:p>
+            <a:r>
+              <a:rPr lang="en-US" altLang="zh-CN" dirty="0"/>
+              <a:t>IFE</a:t>
+            </a:r>
+            <a:r>
+              <a:rPr lang="zh-CN" altLang="en-US" dirty="0"/>
+              <a:t>架构</a:t>
+            </a:r>
             <a:endParaRPr lang="zh-CN" altLang="en-US" dirty="0"/>
           </a:p>
         </p:txBody>
       </p:sp>
+      <p:pic>
+        <p:nvPicPr>
+          <p:cNvPr id="3" name="图片 2"/>
+          <p:cNvPicPr>
+            <a:picLocks noChangeAspect="1"/>
+          </p:cNvPicPr>
+          <p:nvPr/>
+        </p:nvPicPr>
+        <p:blipFill>
+          <a:blip r:embed="rId2">
+            <a:extLst>
+              <a:ext uri="{28A0092B-C50C-407E-A947-70E740481C1C}">
+                <a14:useLocalDpi xmlns:a14="http://schemas.microsoft.com/office/drawing/2010/main" val="0"/>
+              </a:ext>
+            </a:extLst>
+          </a:blip>
+          <a:stretch>
+            <a:fillRect/>
+          </a:stretch>
+        </p:blipFill>
+        <p:spPr>
+          <a:xfrm>
+            <a:off x="902159" y="1536936"/>
+            <a:ext cx="7339682" cy="3784127"/>
+          </a:xfrm>
+          <a:prstGeom prst="rect">
+            <a:avLst/>
+          </a:prstGeom>
+        </p:spPr>
+      </p:pic>
     </p:spTree>
     <p:extLst>
       <p:ext uri="{BB962C8B-B14F-4D97-AF65-F5344CB8AC3E}">
